--- a/ppt 16-9/0969.谁是牧羊人.pptx
+++ b/ppt 16-9/0969.谁是牧羊人.pptx
@@ -5,7 +5,7 @@
     <p:sldMasterId id="2147483648" r:id="rId1"/>
   </p:sldMasterIdLst>
   <p:sldIdLst>
-    <p:sldId id="363" r:id="rId2"/>
+    <p:sldId id="364" r:id="rId2"/>
   </p:sldIdLst>
   <p:sldSz cx="12192000" cy="6858000"/>
   <p:notesSz cx="6858000" cy="9144000"/>
@@ -129,7 +129,7 @@
           <p:cNvPr id="2" name="标题 1">
             <a:extLst>
               <a:ext uri="{FF2B5EF4-FFF2-40B4-BE49-F238E27FC236}">
-                <a16:creationId xmlns:a16="http://schemas.microsoft.com/office/drawing/2014/main" id="{EDAC3187-26CB-D2E7-56F9-2F36A239867E}"/>
+                <a16:creationId xmlns:a16="http://schemas.microsoft.com/office/drawing/2014/main" id="{040CBEF4-02A6-6A0A-9AA1-9193ADBD6D79}"/>
               </a:ext>
             </a:extLst>
           </p:cNvPr>
@@ -166,7 +166,7 @@
           <p:cNvPr id="3" name="副标题 2">
             <a:extLst>
               <a:ext uri="{FF2B5EF4-FFF2-40B4-BE49-F238E27FC236}">
-                <a16:creationId xmlns:a16="http://schemas.microsoft.com/office/drawing/2014/main" id="{B52416F8-90FC-D801-C1B9-14FDFD21091B}"/>
+                <a16:creationId xmlns:a16="http://schemas.microsoft.com/office/drawing/2014/main" id="{C29BE214-DDA9-090F-2DB3-EB3D8DA541FC}"/>
               </a:ext>
             </a:extLst>
           </p:cNvPr>
@@ -236,7 +236,7 @@
           <p:cNvPr id="4" name="日期占位符 3">
             <a:extLst>
               <a:ext uri="{FF2B5EF4-FFF2-40B4-BE49-F238E27FC236}">
-                <a16:creationId xmlns:a16="http://schemas.microsoft.com/office/drawing/2014/main" id="{D9EFFA67-E2EC-A048-6999-25CA76D8BA5F}"/>
+                <a16:creationId xmlns:a16="http://schemas.microsoft.com/office/drawing/2014/main" id="{B0EFF53D-6FEC-39CF-6AF6-CD4035CD6D91}"/>
               </a:ext>
             </a:extLst>
           </p:cNvPr>
@@ -252,7 +252,7 @@
           <a:bodyPr/>
           <a:lstStyle/>
           <a:p>
-            <a:fld id="{41F5F8B4-E5E9-46B2-B66F-98997EDA660E}" type="datetimeFigureOut">
+            <a:fld id="{D8027C2A-4C14-4EE2-82C0-66E7E05AC397}" type="datetimeFigureOut">
               <a:rPr lang="zh-CN" altLang="en-US" smtClean="0"/>
               <a:t>2024/3/10</a:t>
             </a:fld>
@@ -265,7 +265,7 @@
           <p:cNvPr id="5" name="页脚占位符 4">
             <a:extLst>
               <a:ext uri="{FF2B5EF4-FFF2-40B4-BE49-F238E27FC236}">
-                <a16:creationId xmlns:a16="http://schemas.microsoft.com/office/drawing/2014/main" id="{84957F68-6927-A06E-1AD4-ABFFCB745085}"/>
+                <a16:creationId xmlns:a16="http://schemas.microsoft.com/office/drawing/2014/main" id="{7B09FFD5-2062-55C9-6E49-FB7B5A69EDA0}"/>
               </a:ext>
             </a:extLst>
           </p:cNvPr>
@@ -290,7 +290,7 @@
           <p:cNvPr id="6" name="灯片编号占位符 5">
             <a:extLst>
               <a:ext uri="{FF2B5EF4-FFF2-40B4-BE49-F238E27FC236}">
-                <a16:creationId xmlns:a16="http://schemas.microsoft.com/office/drawing/2014/main" id="{420A86E5-DEE2-1B5F-5CB8-F704F380CD11}"/>
+                <a16:creationId xmlns:a16="http://schemas.microsoft.com/office/drawing/2014/main" id="{AF0BAA47-04DA-DC50-8A95-F13A835601E2}"/>
               </a:ext>
             </a:extLst>
           </p:cNvPr>
@@ -306,7 +306,7 @@
           <a:bodyPr/>
           <a:lstStyle/>
           <a:p>
-            <a:fld id="{7A470A3F-A0C5-4F9F-8ABD-CA2DE1D95020}" type="slidenum">
+            <a:fld id="{F0E2309A-13B5-4B05-BEF8-63C7439C5466}" type="slidenum">
               <a:rPr lang="zh-CN" altLang="en-US" smtClean="0"/>
               <a:t>‹#›</a:t>
             </a:fld>
@@ -317,7 +317,7 @@
     </p:spTree>
     <p:extLst>
       <p:ext uri="{BB962C8B-B14F-4D97-AF65-F5344CB8AC3E}">
-        <p14:creationId xmlns:p14="http://schemas.microsoft.com/office/powerpoint/2010/main" val="2502269921"/>
+        <p14:creationId xmlns:p14="http://schemas.microsoft.com/office/powerpoint/2010/main" val="757941596"/>
       </p:ext>
     </p:extLst>
   </p:cSld>
@@ -349,7 +349,7 @@
           <p:cNvPr id="2" name="标题 1">
             <a:extLst>
               <a:ext uri="{FF2B5EF4-FFF2-40B4-BE49-F238E27FC236}">
-                <a16:creationId xmlns:a16="http://schemas.microsoft.com/office/drawing/2014/main" id="{E5F5D88A-07F4-242D-8B51-0045A93D74EE}"/>
+                <a16:creationId xmlns:a16="http://schemas.microsoft.com/office/drawing/2014/main" id="{305FD6C5-5502-589F-FF9B-D207C74E07DA}"/>
               </a:ext>
             </a:extLst>
           </p:cNvPr>
@@ -377,7 +377,7 @@
           <p:cNvPr id="3" name="竖排文字占位符 2">
             <a:extLst>
               <a:ext uri="{FF2B5EF4-FFF2-40B4-BE49-F238E27FC236}">
-                <a16:creationId xmlns:a16="http://schemas.microsoft.com/office/drawing/2014/main" id="{466CEF43-9DDC-E765-92A1-E45060F61FFE}"/>
+                <a16:creationId xmlns:a16="http://schemas.microsoft.com/office/drawing/2014/main" id="{BCBC7E20-2886-B5DB-DBEE-CA024D2C6613}"/>
               </a:ext>
             </a:extLst>
           </p:cNvPr>
@@ -434,7 +434,7 @@
           <p:cNvPr id="4" name="日期占位符 3">
             <a:extLst>
               <a:ext uri="{FF2B5EF4-FFF2-40B4-BE49-F238E27FC236}">
-                <a16:creationId xmlns:a16="http://schemas.microsoft.com/office/drawing/2014/main" id="{76704813-33C4-77D2-F4B6-432DFDAB3825}"/>
+                <a16:creationId xmlns:a16="http://schemas.microsoft.com/office/drawing/2014/main" id="{C7958925-ECEF-EF63-B9F4-9DC8395C7FE1}"/>
               </a:ext>
             </a:extLst>
           </p:cNvPr>
@@ -450,7 +450,7 @@
           <a:bodyPr/>
           <a:lstStyle/>
           <a:p>
-            <a:fld id="{41F5F8B4-E5E9-46B2-B66F-98997EDA660E}" type="datetimeFigureOut">
+            <a:fld id="{D8027C2A-4C14-4EE2-82C0-66E7E05AC397}" type="datetimeFigureOut">
               <a:rPr lang="zh-CN" altLang="en-US" smtClean="0"/>
               <a:t>2024/3/10</a:t>
             </a:fld>
@@ -463,7 +463,7 @@
           <p:cNvPr id="5" name="页脚占位符 4">
             <a:extLst>
               <a:ext uri="{FF2B5EF4-FFF2-40B4-BE49-F238E27FC236}">
-                <a16:creationId xmlns:a16="http://schemas.microsoft.com/office/drawing/2014/main" id="{E32EF887-9E10-58FC-32D3-CCBD29660B6D}"/>
+                <a16:creationId xmlns:a16="http://schemas.microsoft.com/office/drawing/2014/main" id="{83393761-3FF7-6ED2-6F0E-E9DE82329E6F}"/>
               </a:ext>
             </a:extLst>
           </p:cNvPr>
@@ -488,7 +488,7 @@
           <p:cNvPr id="6" name="灯片编号占位符 5">
             <a:extLst>
               <a:ext uri="{FF2B5EF4-FFF2-40B4-BE49-F238E27FC236}">
-                <a16:creationId xmlns:a16="http://schemas.microsoft.com/office/drawing/2014/main" id="{9A637D16-FC80-BB3F-58A7-880F5E276214}"/>
+                <a16:creationId xmlns:a16="http://schemas.microsoft.com/office/drawing/2014/main" id="{FA9A2FF3-EB5D-9ABC-B955-5461A6E884F5}"/>
               </a:ext>
             </a:extLst>
           </p:cNvPr>
@@ -504,7 +504,7 @@
           <a:bodyPr/>
           <a:lstStyle/>
           <a:p>
-            <a:fld id="{7A470A3F-A0C5-4F9F-8ABD-CA2DE1D95020}" type="slidenum">
+            <a:fld id="{F0E2309A-13B5-4B05-BEF8-63C7439C5466}" type="slidenum">
               <a:rPr lang="zh-CN" altLang="en-US" smtClean="0"/>
               <a:t>‹#›</a:t>
             </a:fld>
@@ -515,7 +515,7 @@
     </p:spTree>
     <p:extLst>
       <p:ext uri="{BB962C8B-B14F-4D97-AF65-F5344CB8AC3E}">
-        <p14:creationId xmlns:p14="http://schemas.microsoft.com/office/powerpoint/2010/main" val="3783707749"/>
+        <p14:creationId xmlns:p14="http://schemas.microsoft.com/office/powerpoint/2010/main" val="3653169269"/>
       </p:ext>
     </p:extLst>
   </p:cSld>
@@ -547,7 +547,7 @@
           <p:cNvPr id="2" name="竖排标题 1">
             <a:extLst>
               <a:ext uri="{FF2B5EF4-FFF2-40B4-BE49-F238E27FC236}">
-                <a16:creationId xmlns:a16="http://schemas.microsoft.com/office/drawing/2014/main" id="{45B5150A-3C9E-EFF5-0992-0290547989D7}"/>
+                <a16:creationId xmlns:a16="http://schemas.microsoft.com/office/drawing/2014/main" id="{E4BB0181-D170-6F88-47AE-E5B55FF98695}"/>
               </a:ext>
             </a:extLst>
           </p:cNvPr>
@@ -580,7 +580,7 @@
           <p:cNvPr id="3" name="竖排文字占位符 2">
             <a:extLst>
               <a:ext uri="{FF2B5EF4-FFF2-40B4-BE49-F238E27FC236}">
-                <a16:creationId xmlns:a16="http://schemas.microsoft.com/office/drawing/2014/main" id="{21D2B146-8AE7-7728-74E6-3241D0DCC84B}"/>
+                <a16:creationId xmlns:a16="http://schemas.microsoft.com/office/drawing/2014/main" id="{49B0543D-FB59-E61A-AA49-0313F57C3098}"/>
               </a:ext>
             </a:extLst>
           </p:cNvPr>
@@ -642,7 +642,7 @@
           <p:cNvPr id="4" name="日期占位符 3">
             <a:extLst>
               <a:ext uri="{FF2B5EF4-FFF2-40B4-BE49-F238E27FC236}">
-                <a16:creationId xmlns:a16="http://schemas.microsoft.com/office/drawing/2014/main" id="{5B796072-F0CD-EDDB-E235-CDB4376FD452}"/>
+                <a16:creationId xmlns:a16="http://schemas.microsoft.com/office/drawing/2014/main" id="{A3E525FB-8768-D44F-8C35-4F97F34D3BFE}"/>
               </a:ext>
             </a:extLst>
           </p:cNvPr>
@@ -658,7 +658,7 @@
           <a:bodyPr/>
           <a:lstStyle/>
           <a:p>
-            <a:fld id="{41F5F8B4-E5E9-46B2-B66F-98997EDA660E}" type="datetimeFigureOut">
+            <a:fld id="{D8027C2A-4C14-4EE2-82C0-66E7E05AC397}" type="datetimeFigureOut">
               <a:rPr lang="zh-CN" altLang="en-US" smtClean="0"/>
               <a:t>2024/3/10</a:t>
             </a:fld>
@@ -671,7 +671,7 @@
           <p:cNvPr id="5" name="页脚占位符 4">
             <a:extLst>
               <a:ext uri="{FF2B5EF4-FFF2-40B4-BE49-F238E27FC236}">
-                <a16:creationId xmlns:a16="http://schemas.microsoft.com/office/drawing/2014/main" id="{6DAA9662-4A02-2F4F-A997-916B88D0641B}"/>
+                <a16:creationId xmlns:a16="http://schemas.microsoft.com/office/drawing/2014/main" id="{49489C8B-05A6-FFDD-A3F0-F509E879E427}"/>
               </a:ext>
             </a:extLst>
           </p:cNvPr>
@@ -696,7 +696,7 @@
           <p:cNvPr id="6" name="灯片编号占位符 5">
             <a:extLst>
               <a:ext uri="{FF2B5EF4-FFF2-40B4-BE49-F238E27FC236}">
-                <a16:creationId xmlns:a16="http://schemas.microsoft.com/office/drawing/2014/main" id="{7ED30B3A-D37A-0BCC-6A2B-BE531817B739}"/>
+                <a16:creationId xmlns:a16="http://schemas.microsoft.com/office/drawing/2014/main" id="{6AFC7C54-DF64-1EA2-64ED-50B59C8A3D42}"/>
               </a:ext>
             </a:extLst>
           </p:cNvPr>
@@ -712,7 +712,7 @@
           <a:bodyPr/>
           <a:lstStyle/>
           <a:p>
-            <a:fld id="{7A470A3F-A0C5-4F9F-8ABD-CA2DE1D95020}" type="slidenum">
+            <a:fld id="{F0E2309A-13B5-4B05-BEF8-63C7439C5466}" type="slidenum">
               <a:rPr lang="zh-CN" altLang="en-US" smtClean="0"/>
               <a:t>‹#›</a:t>
             </a:fld>
@@ -723,7 +723,7 @@
     </p:spTree>
     <p:extLst>
       <p:ext uri="{BB962C8B-B14F-4D97-AF65-F5344CB8AC3E}">
-        <p14:creationId xmlns:p14="http://schemas.microsoft.com/office/powerpoint/2010/main" val="1712784937"/>
+        <p14:creationId xmlns:p14="http://schemas.microsoft.com/office/powerpoint/2010/main" val="2865127591"/>
       </p:ext>
     </p:extLst>
   </p:cSld>
@@ -755,7 +755,7 @@
           <p:cNvPr id="2" name="标题 1">
             <a:extLst>
               <a:ext uri="{FF2B5EF4-FFF2-40B4-BE49-F238E27FC236}">
-                <a16:creationId xmlns:a16="http://schemas.microsoft.com/office/drawing/2014/main" id="{832EA2A5-8BA0-A8C9-1468-34EE89B3D919}"/>
+                <a16:creationId xmlns:a16="http://schemas.microsoft.com/office/drawing/2014/main" id="{3D872BCE-FCBD-2E91-24E0-DC6CB95D4A9B}"/>
               </a:ext>
             </a:extLst>
           </p:cNvPr>
@@ -783,7 +783,7 @@
           <p:cNvPr id="3" name="内容占位符 2">
             <a:extLst>
               <a:ext uri="{FF2B5EF4-FFF2-40B4-BE49-F238E27FC236}">
-                <a16:creationId xmlns:a16="http://schemas.microsoft.com/office/drawing/2014/main" id="{EDE6C357-26A3-485B-75EA-C36C1370AFD5}"/>
+                <a16:creationId xmlns:a16="http://schemas.microsoft.com/office/drawing/2014/main" id="{53968960-031A-6DD5-337A-67A60AA0F323}"/>
               </a:ext>
             </a:extLst>
           </p:cNvPr>
@@ -840,7 +840,7 @@
           <p:cNvPr id="4" name="日期占位符 3">
             <a:extLst>
               <a:ext uri="{FF2B5EF4-FFF2-40B4-BE49-F238E27FC236}">
-                <a16:creationId xmlns:a16="http://schemas.microsoft.com/office/drawing/2014/main" id="{BEB14752-39C1-8287-E346-D9E2E8A770F6}"/>
+                <a16:creationId xmlns:a16="http://schemas.microsoft.com/office/drawing/2014/main" id="{2243272E-B399-0742-EE9C-006EB22D02B8}"/>
               </a:ext>
             </a:extLst>
           </p:cNvPr>
@@ -856,7 +856,7 @@
           <a:bodyPr/>
           <a:lstStyle/>
           <a:p>
-            <a:fld id="{41F5F8B4-E5E9-46B2-B66F-98997EDA660E}" type="datetimeFigureOut">
+            <a:fld id="{D8027C2A-4C14-4EE2-82C0-66E7E05AC397}" type="datetimeFigureOut">
               <a:rPr lang="zh-CN" altLang="en-US" smtClean="0"/>
               <a:t>2024/3/10</a:t>
             </a:fld>
@@ -869,7 +869,7 @@
           <p:cNvPr id="5" name="页脚占位符 4">
             <a:extLst>
               <a:ext uri="{FF2B5EF4-FFF2-40B4-BE49-F238E27FC236}">
-                <a16:creationId xmlns:a16="http://schemas.microsoft.com/office/drawing/2014/main" id="{F669B3DF-BA14-FDE7-488F-D52CD699E1D3}"/>
+                <a16:creationId xmlns:a16="http://schemas.microsoft.com/office/drawing/2014/main" id="{503AD8E3-1886-D499-A972-E398E9D9B6B9}"/>
               </a:ext>
             </a:extLst>
           </p:cNvPr>
@@ -894,7 +894,7 @@
           <p:cNvPr id="6" name="灯片编号占位符 5">
             <a:extLst>
               <a:ext uri="{FF2B5EF4-FFF2-40B4-BE49-F238E27FC236}">
-                <a16:creationId xmlns:a16="http://schemas.microsoft.com/office/drawing/2014/main" id="{631F9288-E7E4-AD70-E61D-E7902977EB77}"/>
+                <a16:creationId xmlns:a16="http://schemas.microsoft.com/office/drawing/2014/main" id="{6C728A9E-C462-9878-8ABB-87331E5590CA}"/>
               </a:ext>
             </a:extLst>
           </p:cNvPr>
@@ -910,7 +910,7 @@
           <a:bodyPr/>
           <a:lstStyle/>
           <a:p>
-            <a:fld id="{7A470A3F-A0C5-4F9F-8ABD-CA2DE1D95020}" type="slidenum">
+            <a:fld id="{F0E2309A-13B5-4B05-BEF8-63C7439C5466}" type="slidenum">
               <a:rPr lang="zh-CN" altLang="en-US" smtClean="0"/>
               <a:t>‹#›</a:t>
             </a:fld>
@@ -921,7 +921,7 @@
     </p:spTree>
     <p:extLst>
       <p:ext uri="{BB962C8B-B14F-4D97-AF65-F5344CB8AC3E}">
-        <p14:creationId xmlns:p14="http://schemas.microsoft.com/office/powerpoint/2010/main" val="4047084521"/>
+        <p14:creationId xmlns:p14="http://schemas.microsoft.com/office/powerpoint/2010/main" val="2447775902"/>
       </p:ext>
     </p:extLst>
   </p:cSld>
@@ -953,7 +953,7 @@
           <p:cNvPr id="2" name="标题 1">
             <a:extLst>
               <a:ext uri="{FF2B5EF4-FFF2-40B4-BE49-F238E27FC236}">
-                <a16:creationId xmlns:a16="http://schemas.microsoft.com/office/drawing/2014/main" id="{5C2A148C-D450-CF46-9DFE-684D41E87819}"/>
+                <a16:creationId xmlns:a16="http://schemas.microsoft.com/office/drawing/2014/main" id="{215A2B37-29D4-011B-37C6-210BD21284EB}"/>
               </a:ext>
             </a:extLst>
           </p:cNvPr>
@@ -990,7 +990,7 @@
           <p:cNvPr id="3" name="文本占位符 2">
             <a:extLst>
               <a:ext uri="{FF2B5EF4-FFF2-40B4-BE49-F238E27FC236}">
-                <a16:creationId xmlns:a16="http://schemas.microsoft.com/office/drawing/2014/main" id="{4EE29E92-B2B9-434E-8EB6-28E2F505D62F}"/>
+                <a16:creationId xmlns:a16="http://schemas.microsoft.com/office/drawing/2014/main" id="{533B7BA4-003A-F627-6B45-C455B8510F5E}"/>
               </a:ext>
             </a:extLst>
           </p:cNvPr>
@@ -1115,7 +1115,7 @@
           <p:cNvPr id="4" name="日期占位符 3">
             <a:extLst>
               <a:ext uri="{FF2B5EF4-FFF2-40B4-BE49-F238E27FC236}">
-                <a16:creationId xmlns:a16="http://schemas.microsoft.com/office/drawing/2014/main" id="{3850D05D-F113-D03E-F2E5-9F5A5AD63102}"/>
+                <a16:creationId xmlns:a16="http://schemas.microsoft.com/office/drawing/2014/main" id="{6A77FAA4-8D86-2BA7-461B-E481186413FF}"/>
               </a:ext>
             </a:extLst>
           </p:cNvPr>
@@ -1131,7 +1131,7 @@
           <a:bodyPr/>
           <a:lstStyle/>
           <a:p>
-            <a:fld id="{41F5F8B4-E5E9-46B2-B66F-98997EDA660E}" type="datetimeFigureOut">
+            <a:fld id="{D8027C2A-4C14-4EE2-82C0-66E7E05AC397}" type="datetimeFigureOut">
               <a:rPr lang="zh-CN" altLang="en-US" smtClean="0"/>
               <a:t>2024/3/10</a:t>
             </a:fld>
@@ -1144,7 +1144,7 @@
           <p:cNvPr id="5" name="页脚占位符 4">
             <a:extLst>
               <a:ext uri="{FF2B5EF4-FFF2-40B4-BE49-F238E27FC236}">
-                <a16:creationId xmlns:a16="http://schemas.microsoft.com/office/drawing/2014/main" id="{A2572205-1D0E-0F29-A71E-4B321A483B5B}"/>
+                <a16:creationId xmlns:a16="http://schemas.microsoft.com/office/drawing/2014/main" id="{4452E842-1C25-8813-522D-589985C81746}"/>
               </a:ext>
             </a:extLst>
           </p:cNvPr>
@@ -1169,7 +1169,7 @@
           <p:cNvPr id="6" name="灯片编号占位符 5">
             <a:extLst>
               <a:ext uri="{FF2B5EF4-FFF2-40B4-BE49-F238E27FC236}">
-                <a16:creationId xmlns:a16="http://schemas.microsoft.com/office/drawing/2014/main" id="{D13EE075-3C3B-E63C-0D3D-2B93A395F516}"/>
+                <a16:creationId xmlns:a16="http://schemas.microsoft.com/office/drawing/2014/main" id="{DD958AF9-03CB-B396-0F9A-1646755BC6FF}"/>
               </a:ext>
             </a:extLst>
           </p:cNvPr>
@@ -1185,7 +1185,7 @@
           <a:bodyPr/>
           <a:lstStyle/>
           <a:p>
-            <a:fld id="{7A470A3F-A0C5-4F9F-8ABD-CA2DE1D95020}" type="slidenum">
+            <a:fld id="{F0E2309A-13B5-4B05-BEF8-63C7439C5466}" type="slidenum">
               <a:rPr lang="zh-CN" altLang="en-US" smtClean="0"/>
               <a:t>‹#›</a:t>
             </a:fld>
@@ -1196,7 +1196,7 @@
     </p:spTree>
     <p:extLst>
       <p:ext uri="{BB962C8B-B14F-4D97-AF65-F5344CB8AC3E}">
-        <p14:creationId xmlns:p14="http://schemas.microsoft.com/office/powerpoint/2010/main" val="110971541"/>
+        <p14:creationId xmlns:p14="http://schemas.microsoft.com/office/powerpoint/2010/main" val="461078384"/>
       </p:ext>
     </p:extLst>
   </p:cSld>
@@ -1228,7 +1228,7 @@
           <p:cNvPr id="2" name="标题 1">
             <a:extLst>
               <a:ext uri="{FF2B5EF4-FFF2-40B4-BE49-F238E27FC236}">
-                <a16:creationId xmlns:a16="http://schemas.microsoft.com/office/drawing/2014/main" id="{FE273FAD-7454-35EC-511B-91CF5032EF4F}"/>
+                <a16:creationId xmlns:a16="http://schemas.microsoft.com/office/drawing/2014/main" id="{57B4A2EE-A0D7-018D-F20A-60C84442A85D}"/>
               </a:ext>
             </a:extLst>
           </p:cNvPr>
@@ -1256,7 +1256,7 @@
           <p:cNvPr id="3" name="内容占位符 2">
             <a:extLst>
               <a:ext uri="{FF2B5EF4-FFF2-40B4-BE49-F238E27FC236}">
-                <a16:creationId xmlns:a16="http://schemas.microsoft.com/office/drawing/2014/main" id="{46BE807B-938E-9026-AB18-47D877675536}"/>
+                <a16:creationId xmlns:a16="http://schemas.microsoft.com/office/drawing/2014/main" id="{3A343D74-0BA3-AE6D-7A94-BC42120C74FC}"/>
               </a:ext>
             </a:extLst>
           </p:cNvPr>
@@ -1318,7 +1318,7 @@
           <p:cNvPr id="4" name="内容占位符 3">
             <a:extLst>
               <a:ext uri="{FF2B5EF4-FFF2-40B4-BE49-F238E27FC236}">
-                <a16:creationId xmlns:a16="http://schemas.microsoft.com/office/drawing/2014/main" id="{627F3EDA-0803-4ACD-73BB-BCAA482096D6}"/>
+                <a16:creationId xmlns:a16="http://schemas.microsoft.com/office/drawing/2014/main" id="{AAD9734F-10B4-5AC8-8619-B340102DD201}"/>
               </a:ext>
             </a:extLst>
           </p:cNvPr>
@@ -1380,7 +1380,7 @@
           <p:cNvPr id="5" name="日期占位符 4">
             <a:extLst>
               <a:ext uri="{FF2B5EF4-FFF2-40B4-BE49-F238E27FC236}">
-                <a16:creationId xmlns:a16="http://schemas.microsoft.com/office/drawing/2014/main" id="{F4AC9B1D-01BE-6269-0E8A-10B2B74DC45C}"/>
+                <a16:creationId xmlns:a16="http://schemas.microsoft.com/office/drawing/2014/main" id="{920EAB09-06C4-1C8B-4F44-D11CD13615D8}"/>
               </a:ext>
             </a:extLst>
           </p:cNvPr>
@@ -1396,7 +1396,7 @@
           <a:bodyPr/>
           <a:lstStyle/>
           <a:p>
-            <a:fld id="{41F5F8B4-E5E9-46B2-B66F-98997EDA660E}" type="datetimeFigureOut">
+            <a:fld id="{D8027C2A-4C14-4EE2-82C0-66E7E05AC397}" type="datetimeFigureOut">
               <a:rPr lang="zh-CN" altLang="en-US" smtClean="0"/>
               <a:t>2024/3/10</a:t>
             </a:fld>
@@ -1409,7 +1409,7 @@
           <p:cNvPr id="6" name="页脚占位符 5">
             <a:extLst>
               <a:ext uri="{FF2B5EF4-FFF2-40B4-BE49-F238E27FC236}">
-                <a16:creationId xmlns:a16="http://schemas.microsoft.com/office/drawing/2014/main" id="{8DD2922B-0DEE-A00B-926D-3C83E5E6C965}"/>
+                <a16:creationId xmlns:a16="http://schemas.microsoft.com/office/drawing/2014/main" id="{E94BE222-DC4C-A64E-328F-03D8DB36D3C0}"/>
               </a:ext>
             </a:extLst>
           </p:cNvPr>
@@ -1434,7 +1434,7 @@
           <p:cNvPr id="7" name="灯片编号占位符 6">
             <a:extLst>
               <a:ext uri="{FF2B5EF4-FFF2-40B4-BE49-F238E27FC236}">
-                <a16:creationId xmlns:a16="http://schemas.microsoft.com/office/drawing/2014/main" id="{6F145BD5-7780-6699-D40B-7D1732A0A52D}"/>
+                <a16:creationId xmlns:a16="http://schemas.microsoft.com/office/drawing/2014/main" id="{CDA718FC-7532-0E7B-46E5-266CF1127C04}"/>
               </a:ext>
             </a:extLst>
           </p:cNvPr>
@@ -1450,7 +1450,7 @@
           <a:bodyPr/>
           <a:lstStyle/>
           <a:p>
-            <a:fld id="{7A470A3F-A0C5-4F9F-8ABD-CA2DE1D95020}" type="slidenum">
+            <a:fld id="{F0E2309A-13B5-4B05-BEF8-63C7439C5466}" type="slidenum">
               <a:rPr lang="zh-CN" altLang="en-US" smtClean="0"/>
               <a:t>‹#›</a:t>
             </a:fld>
@@ -1461,7 +1461,7 @@
     </p:spTree>
     <p:extLst>
       <p:ext uri="{BB962C8B-B14F-4D97-AF65-F5344CB8AC3E}">
-        <p14:creationId xmlns:p14="http://schemas.microsoft.com/office/powerpoint/2010/main" val="3886158997"/>
+        <p14:creationId xmlns:p14="http://schemas.microsoft.com/office/powerpoint/2010/main" val="1007460964"/>
       </p:ext>
     </p:extLst>
   </p:cSld>
@@ -1493,7 +1493,7 @@
           <p:cNvPr id="2" name="标题 1">
             <a:extLst>
               <a:ext uri="{FF2B5EF4-FFF2-40B4-BE49-F238E27FC236}">
-                <a16:creationId xmlns:a16="http://schemas.microsoft.com/office/drawing/2014/main" id="{D6991B51-D23A-D3F6-15D0-9E5D93821F62}"/>
+                <a16:creationId xmlns:a16="http://schemas.microsoft.com/office/drawing/2014/main" id="{ADFCA9AA-0956-C3D7-BD45-9EE469DF47DF}"/>
               </a:ext>
             </a:extLst>
           </p:cNvPr>
@@ -1526,7 +1526,7 @@
           <p:cNvPr id="3" name="文本占位符 2">
             <a:extLst>
               <a:ext uri="{FF2B5EF4-FFF2-40B4-BE49-F238E27FC236}">
-                <a16:creationId xmlns:a16="http://schemas.microsoft.com/office/drawing/2014/main" id="{3E08D459-FEFB-4909-A41A-529C3B183E55}"/>
+                <a16:creationId xmlns:a16="http://schemas.microsoft.com/office/drawing/2014/main" id="{2E89AA4F-83BA-E694-628A-C2AB1CDD0C5B}"/>
               </a:ext>
             </a:extLst>
           </p:cNvPr>
@@ -1597,7 +1597,7 @@
           <p:cNvPr id="4" name="内容占位符 3">
             <a:extLst>
               <a:ext uri="{FF2B5EF4-FFF2-40B4-BE49-F238E27FC236}">
-                <a16:creationId xmlns:a16="http://schemas.microsoft.com/office/drawing/2014/main" id="{132A8C35-D89E-1292-D1FC-898DB8561A0F}"/>
+                <a16:creationId xmlns:a16="http://schemas.microsoft.com/office/drawing/2014/main" id="{CD3D2DA4-F552-D053-8BC9-130A967E0316}"/>
               </a:ext>
             </a:extLst>
           </p:cNvPr>
@@ -1659,7 +1659,7 @@
           <p:cNvPr id="5" name="文本占位符 4">
             <a:extLst>
               <a:ext uri="{FF2B5EF4-FFF2-40B4-BE49-F238E27FC236}">
-                <a16:creationId xmlns:a16="http://schemas.microsoft.com/office/drawing/2014/main" id="{CDB3181A-A293-9FC1-26AC-C3483D83DB28}"/>
+                <a16:creationId xmlns:a16="http://schemas.microsoft.com/office/drawing/2014/main" id="{79ECC344-AD34-47F5-9B05-1987CEAA258B}"/>
               </a:ext>
             </a:extLst>
           </p:cNvPr>
@@ -1730,7 +1730,7 @@
           <p:cNvPr id="6" name="内容占位符 5">
             <a:extLst>
               <a:ext uri="{FF2B5EF4-FFF2-40B4-BE49-F238E27FC236}">
-                <a16:creationId xmlns:a16="http://schemas.microsoft.com/office/drawing/2014/main" id="{7C670B51-A355-5A33-FE8A-FCDAFC7818D8}"/>
+                <a16:creationId xmlns:a16="http://schemas.microsoft.com/office/drawing/2014/main" id="{80B530F0-6D97-345B-46DC-37B3B8858B3E}"/>
               </a:ext>
             </a:extLst>
           </p:cNvPr>
@@ -1792,7 +1792,7 @@
           <p:cNvPr id="7" name="日期占位符 6">
             <a:extLst>
               <a:ext uri="{FF2B5EF4-FFF2-40B4-BE49-F238E27FC236}">
-                <a16:creationId xmlns:a16="http://schemas.microsoft.com/office/drawing/2014/main" id="{162DEB0B-1772-72BC-6FF7-0FF9FFD47F5B}"/>
+                <a16:creationId xmlns:a16="http://schemas.microsoft.com/office/drawing/2014/main" id="{4A0E5A82-86C8-8386-BA18-903516A633F8}"/>
               </a:ext>
             </a:extLst>
           </p:cNvPr>
@@ -1808,7 +1808,7 @@
           <a:bodyPr/>
           <a:lstStyle/>
           <a:p>
-            <a:fld id="{41F5F8B4-E5E9-46B2-B66F-98997EDA660E}" type="datetimeFigureOut">
+            <a:fld id="{D8027C2A-4C14-4EE2-82C0-66E7E05AC397}" type="datetimeFigureOut">
               <a:rPr lang="zh-CN" altLang="en-US" smtClean="0"/>
               <a:t>2024/3/10</a:t>
             </a:fld>
@@ -1821,7 +1821,7 @@
           <p:cNvPr id="8" name="页脚占位符 7">
             <a:extLst>
               <a:ext uri="{FF2B5EF4-FFF2-40B4-BE49-F238E27FC236}">
-                <a16:creationId xmlns:a16="http://schemas.microsoft.com/office/drawing/2014/main" id="{328FD465-E15F-6862-C788-922602B4C6D3}"/>
+                <a16:creationId xmlns:a16="http://schemas.microsoft.com/office/drawing/2014/main" id="{930E1D23-5A62-824A-DD89-34D9EE55F513}"/>
               </a:ext>
             </a:extLst>
           </p:cNvPr>
@@ -1846,7 +1846,7 @@
           <p:cNvPr id="9" name="灯片编号占位符 8">
             <a:extLst>
               <a:ext uri="{FF2B5EF4-FFF2-40B4-BE49-F238E27FC236}">
-                <a16:creationId xmlns:a16="http://schemas.microsoft.com/office/drawing/2014/main" id="{846C4B72-1096-7A2B-2CFB-1DF91FEEFA39}"/>
+                <a16:creationId xmlns:a16="http://schemas.microsoft.com/office/drawing/2014/main" id="{0AB971D0-6E00-6C02-F9A6-1010CA930F63}"/>
               </a:ext>
             </a:extLst>
           </p:cNvPr>
@@ -1862,7 +1862,7 @@
           <a:bodyPr/>
           <a:lstStyle/>
           <a:p>
-            <a:fld id="{7A470A3F-A0C5-4F9F-8ABD-CA2DE1D95020}" type="slidenum">
+            <a:fld id="{F0E2309A-13B5-4B05-BEF8-63C7439C5466}" type="slidenum">
               <a:rPr lang="zh-CN" altLang="en-US" smtClean="0"/>
               <a:t>‹#›</a:t>
             </a:fld>
@@ -1873,7 +1873,7 @@
     </p:spTree>
     <p:extLst>
       <p:ext uri="{BB962C8B-B14F-4D97-AF65-F5344CB8AC3E}">
-        <p14:creationId xmlns:p14="http://schemas.microsoft.com/office/powerpoint/2010/main" val="2704028422"/>
+        <p14:creationId xmlns:p14="http://schemas.microsoft.com/office/powerpoint/2010/main" val="271588181"/>
       </p:ext>
     </p:extLst>
   </p:cSld>
@@ -1905,7 +1905,7 @@
           <p:cNvPr id="2" name="标题 1">
             <a:extLst>
               <a:ext uri="{FF2B5EF4-FFF2-40B4-BE49-F238E27FC236}">
-                <a16:creationId xmlns:a16="http://schemas.microsoft.com/office/drawing/2014/main" id="{4C86A6B3-E4BF-FB66-AED8-C4A69033C4A0}"/>
+                <a16:creationId xmlns:a16="http://schemas.microsoft.com/office/drawing/2014/main" id="{F36932F8-BE80-E295-D229-2911680693C3}"/>
               </a:ext>
             </a:extLst>
           </p:cNvPr>
@@ -1933,7 +1933,7 @@
           <p:cNvPr id="3" name="日期占位符 2">
             <a:extLst>
               <a:ext uri="{FF2B5EF4-FFF2-40B4-BE49-F238E27FC236}">
-                <a16:creationId xmlns:a16="http://schemas.microsoft.com/office/drawing/2014/main" id="{D4566CD6-3661-8709-950F-DA44E3DDD440}"/>
+                <a16:creationId xmlns:a16="http://schemas.microsoft.com/office/drawing/2014/main" id="{6C5885EE-6D0D-8B6B-7BFD-2DEDB166B219}"/>
               </a:ext>
             </a:extLst>
           </p:cNvPr>
@@ -1949,7 +1949,7 @@
           <a:bodyPr/>
           <a:lstStyle/>
           <a:p>
-            <a:fld id="{41F5F8B4-E5E9-46B2-B66F-98997EDA660E}" type="datetimeFigureOut">
+            <a:fld id="{D8027C2A-4C14-4EE2-82C0-66E7E05AC397}" type="datetimeFigureOut">
               <a:rPr lang="zh-CN" altLang="en-US" smtClean="0"/>
               <a:t>2024/3/10</a:t>
             </a:fld>
@@ -1962,7 +1962,7 @@
           <p:cNvPr id="4" name="页脚占位符 3">
             <a:extLst>
               <a:ext uri="{FF2B5EF4-FFF2-40B4-BE49-F238E27FC236}">
-                <a16:creationId xmlns:a16="http://schemas.microsoft.com/office/drawing/2014/main" id="{9945C6A4-A69F-24CF-D39F-A97D238CE5EE}"/>
+                <a16:creationId xmlns:a16="http://schemas.microsoft.com/office/drawing/2014/main" id="{1CBDE999-6059-96A9-8A52-72842FEEE065}"/>
               </a:ext>
             </a:extLst>
           </p:cNvPr>
@@ -1987,7 +1987,7 @@
           <p:cNvPr id="5" name="灯片编号占位符 4">
             <a:extLst>
               <a:ext uri="{FF2B5EF4-FFF2-40B4-BE49-F238E27FC236}">
-                <a16:creationId xmlns:a16="http://schemas.microsoft.com/office/drawing/2014/main" id="{932A4F64-CC70-0323-24DB-4F0742E284F1}"/>
+                <a16:creationId xmlns:a16="http://schemas.microsoft.com/office/drawing/2014/main" id="{8D7B5FF5-EC6D-0068-A058-513B8083A8DC}"/>
               </a:ext>
             </a:extLst>
           </p:cNvPr>
@@ -2003,7 +2003,7 @@
           <a:bodyPr/>
           <a:lstStyle/>
           <a:p>
-            <a:fld id="{7A470A3F-A0C5-4F9F-8ABD-CA2DE1D95020}" type="slidenum">
+            <a:fld id="{F0E2309A-13B5-4B05-BEF8-63C7439C5466}" type="slidenum">
               <a:rPr lang="zh-CN" altLang="en-US" smtClean="0"/>
               <a:t>‹#›</a:t>
             </a:fld>
@@ -2014,7 +2014,7 @@
     </p:spTree>
     <p:extLst>
       <p:ext uri="{BB962C8B-B14F-4D97-AF65-F5344CB8AC3E}">
-        <p14:creationId xmlns:p14="http://schemas.microsoft.com/office/powerpoint/2010/main" val="2367986370"/>
+        <p14:creationId xmlns:p14="http://schemas.microsoft.com/office/powerpoint/2010/main" val="1944237173"/>
       </p:ext>
     </p:extLst>
   </p:cSld>
@@ -2046,7 +2046,7 @@
           <p:cNvPr id="2" name="日期占位符 1">
             <a:extLst>
               <a:ext uri="{FF2B5EF4-FFF2-40B4-BE49-F238E27FC236}">
-                <a16:creationId xmlns:a16="http://schemas.microsoft.com/office/drawing/2014/main" id="{50C9E260-25BD-F0CA-E84A-8713EF534296}"/>
+                <a16:creationId xmlns:a16="http://schemas.microsoft.com/office/drawing/2014/main" id="{53845B7B-944B-0C9A-E729-4AF6DF748C99}"/>
               </a:ext>
             </a:extLst>
           </p:cNvPr>
@@ -2062,7 +2062,7 @@
           <a:bodyPr/>
           <a:lstStyle/>
           <a:p>
-            <a:fld id="{41F5F8B4-E5E9-46B2-B66F-98997EDA660E}" type="datetimeFigureOut">
+            <a:fld id="{D8027C2A-4C14-4EE2-82C0-66E7E05AC397}" type="datetimeFigureOut">
               <a:rPr lang="zh-CN" altLang="en-US" smtClean="0"/>
               <a:t>2024/3/10</a:t>
             </a:fld>
@@ -2075,7 +2075,7 @@
           <p:cNvPr id="3" name="页脚占位符 2">
             <a:extLst>
               <a:ext uri="{FF2B5EF4-FFF2-40B4-BE49-F238E27FC236}">
-                <a16:creationId xmlns:a16="http://schemas.microsoft.com/office/drawing/2014/main" id="{D5C0E989-1A47-91C3-EAC3-A49BDFE10C31}"/>
+                <a16:creationId xmlns:a16="http://schemas.microsoft.com/office/drawing/2014/main" id="{70A6B839-4F9D-9382-C402-FBF76458E4D5}"/>
               </a:ext>
             </a:extLst>
           </p:cNvPr>
@@ -2100,7 +2100,7 @@
           <p:cNvPr id="4" name="灯片编号占位符 3">
             <a:extLst>
               <a:ext uri="{FF2B5EF4-FFF2-40B4-BE49-F238E27FC236}">
-                <a16:creationId xmlns:a16="http://schemas.microsoft.com/office/drawing/2014/main" id="{A668512B-309E-66D4-AE97-ECAFA8B70DEC}"/>
+                <a16:creationId xmlns:a16="http://schemas.microsoft.com/office/drawing/2014/main" id="{52E52A76-C514-789E-5249-AA541EFDCE91}"/>
               </a:ext>
             </a:extLst>
           </p:cNvPr>
@@ -2116,7 +2116,7 @@
           <a:bodyPr/>
           <a:lstStyle/>
           <a:p>
-            <a:fld id="{7A470A3F-A0C5-4F9F-8ABD-CA2DE1D95020}" type="slidenum">
+            <a:fld id="{F0E2309A-13B5-4B05-BEF8-63C7439C5466}" type="slidenum">
               <a:rPr lang="zh-CN" altLang="en-US" smtClean="0"/>
               <a:t>‹#›</a:t>
             </a:fld>
@@ -2127,7 +2127,7 @@
     </p:spTree>
     <p:extLst>
       <p:ext uri="{BB962C8B-B14F-4D97-AF65-F5344CB8AC3E}">
-        <p14:creationId xmlns:p14="http://schemas.microsoft.com/office/powerpoint/2010/main" val="123536798"/>
+        <p14:creationId xmlns:p14="http://schemas.microsoft.com/office/powerpoint/2010/main" val="2280201023"/>
       </p:ext>
     </p:extLst>
   </p:cSld>
@@ -2159,7 +2159,7 @@
           <p:cNvPr id="2" name="标题 1">
             <a:extLst>
               <a:ext uri="{FF2B5EF4-FFF2-40B4-BE49-F238E27FC236}">
-                <a16:creationId xmlns:a16="http://schemas.microsoft.com/office/drawing/2014/main" id="{0BFFF313-FBD6-35AB-992E-13EA575A7288}"/>
+                <a16:creationId xmlns:a16="http://schemas.microsoft.com/office/drawing/2014/main" id="{21AA2BA7-CCC6-6CF2-7261-F1CB6B330149}"/>
               </a:ext>
             </a:extLst>
           </p:cNvPr>
@@ -2196,7 +2196,7 @@
           <p:cNvPr id="3" name="内容占位符 2">
             <a:extLst>
               <a:ext uri="{FF2B5EF4-FFF2-40B4-BE49-F238E27FC236}">
-                <a16:creationId xmlns:a16="http://schemas.microsoft.com/office/drawing/2014/main" id="{3CA432D6-CC1A-CDD4-70AE-081547330826}"/>
+                <a16:creationId xmlns:a16="http://schemas.microsoft.com/office/drawing/2014/main" id="{4A09A131-7BD3-1186-18BD-6336CDC27B06}"/>
               </a:ext>
             </a:extLst>
           </p:cNvPr>
@@ -2286,7 +2286,7 @@
           <p:cNvPr id="4" name="文本占位符 3">
             <a:extLst>
               <a:ext uri="{FF2B5EF4-FFF2-40B4-BE49-F238E27FC236}">
-                <a16:creationId xmlns:a16="http://schemas.microsoft.com/office/drawing/2014/main" id="{31183ACE-00C0-2106-A9FF-E68F2435C7E4}"/>
+                <a16:creationId xmlns:a16="http://schemas.microsoft.com/office/drawing/2014/main" id="{BD6ACAE0-C29F-97F6-8AB8-EFED5DE14633}"/>
               </a:ext>
             </a:extLst>
           </p:cNvPr>
@@ -2357,7 +2357,7 @@
           <p:cNvPr id="5" name="日期占位符 4">
             <a:extLst>
               <a:ext uri="{FF2B5EF4-FFF2-40B4-BE49-F238E27FC236}">
-                <a16:creationId xmlns:a16="http://schemas.microsoft.com/office/drawing/2014/main" id="{B584E9BE-BD1C-677E-6E31-6B929BB80473}"/>
+                <a16:creationId xmlns:a16="http://schemas.microsoft.com/office/drawing/2014/main" id="{6D751430-1CB3-A2B1-5C6B-2FC1D138F53A}"/>
               </a:ext>
             </a:extLst>
           </p:cNvPr>
@@ -2373,7 +2373,7 @@
           <a:bodyPr/>
           <a:lstStyle/>
           <a:p>
-            <a:fld id="{41F5F8B4-E5E9-46B2-B66F-98997EDA660E}" type="datetimeFigureOut">
+            <a:fld id="{D8027C2A-4C14-4EE2-82C0-66E7E05AC397}" type="datetimeFigureOut">
               <a:rPr lang="zh-CN" altLang="en-US" smtClean="0"/>
               <a:t>2024/3/10</a:t>
             </a:fld>
@@ -2386,7 +2386,7 @@
           <p:cNvPr id="6" name="页脚占位符 5">
             <a:extLst>
               <a:ext uri="{FF2B5EF4-FFF2-40B4-BE49-F238E27FC236}">
-                <a16:creationId xmlns:a16="http://schemas.microsoft.com/office/drawing/2014/main" id="{1958426A-63B9-3BCA-AF55-895E4F5F3014}"/>
+                <a16:creationId xmlns:a16="http://schemas.microsoft.com/office/drawing/2014/main" id="{20AC7D00-8790-90E2-EA16-46C4E65001E5}"/>
               </a:ext>
             </a:extLst>
           </p:cNvPr>
@@ -2411,7 +2411,7 @@
           <p:cNvPr id="7" name="灯片编号占位符 6">
             <a:extLst>
               <a:ext uri="{FF2B5EF4-FFF2-40B4-BE49-F238E27FC236}">
-                <a16:creationId xmlns:a16="http://schemas.microsoft.com/office/drawing/2014/main" id="{47FDCB5B-F9BA-B0B9-8CDF-0E6F362FB22F}"/>
+                <a16:creationId xmlns:a16="http://schemas.microsoft.com/office/drawing/2014/main" id="{3DA82978-6170-BDFA-5E95-890BBD3E1F7A}"/>
               </a:ext>
             </a:extLst>
           </p:cNvPr>
@@ -2427,7 +2427,7 @@
           <a:bodyPr/>
           <a:lstStyle/>
           <a:p>
-            <a:fld id="{7A470A3F-A0C5-4F9F-8ABD-CA2DE1D95020}" type="slidenum">
+            <a:fld id="{F0E2309A-13B5-4B05-BEF8-63C7439C5466}" type="slidenum">
               <a:rPr lang="zh-CN" altLang="en-US" smtClean="0"/>
               <a:t>‹#›</a:t>
             </a:fld>
@@ -2438,7 +2438,7 @@
     </p:spTree>
     <p:extLst>
       <p:ext uri="{BB962C8B-B14F-4D97-AF65-F5344CB8AC3E}">
-        <p14:creationId xmlns:p14="http://schemas.microsoft.com/office/powerpoint/2010/main" val="1533845274"/>
+        <p14:creationId xmlns:p14="http://schemas.microsoft.com/office/powerpoint/2010/main" val="3159715089"/>
       </p:ext>
     </p:extLst>
   </p:cSld>
@@ -2470,7 +2470,7 @@
           <p:cNvPr id="2" name="标题 1">
             <a:extLst>
               <a:ext uri="{FF2B5EF4-FFF2-40B4-BE49-F238E27FC236}">
-                <a16:creationId xmlns:a16="http://schemas.microsoft.com/office/drawing/2014/main" id="{719EB320-B4CA-A2A0-008D-088114834FAB}"/>
+                <a16:creationId xmlns:a16="http://schemas.microsoft.com/office/drawing/2014/main" id="{20AC211D-87A8-67D2-C710-4034F0DBB540}"/>
               </a:ext>
             </a:extLst>
           </p:cNvPr>
@@ -2507,7 +2507,7 @@
           <p:cNvPr id="3" name="图片占位符 2">
             <a:extLst>
               <a:ext uri="{FF2B5EF4-FFF2-40B4-BE49-F238E27FC236}">
-                <a16:creationId xmlns:a16="http://schemas.microsoft.com/office/drawing/2014/main" id="{D2F204C0-2AA2-A37C-635F-F5602FB64278}"/>
+                <a16:creationId xmlns:a16="http://schemas.microsoft.com/office/drawing/2014/main" id="{F13785D2-FA20-25D2-2EC7-D0A1CF826A1F}"/>
               </a:ext>
             </a:extLst>
           </p:cNvPr>
@@ -2574,7 +2574,7 @@
           <p:cNvPr id="4" name="文本占位符 3">
             <a:extLst>
               <a:ext uri="{FF2B5EF4-FFF2-40B4-BE49-F238E27FC236}">
-                <a16:creationId xmlns:a16="http://schemas.microsoft.com/office/drawing/2014/main" id="{4C4FF079-2FA1-9824-DA39-D6C268168233}"/>
+                <a16:creationId xmlns:a16="http://schemas.microsoft.com/office/drawing/2014/main" id="{F3111E31-FD47-C895-44D9-5F95B90352D9}"/>
               </a:ext>
             </a:extLst>
           </p:cNvPr>
@@ -2645,7 +2645,7 @@
           <p:cNvPr id="5" name="日期占位符 4">
             <a:extLst>
               <a:ext uri="{FF2B5EF4-FFF2-40B4-BE49-F238E27FC236}">
-                <a16:creationId xmlns:a16="http://schemas.microsoft.com/office/drawing/2014/main" id="{9DCBF809-9942-A907-2130-879A6CAF0C53}"/>
+                <a16:creationId xmlns:a16="http://schemas.microsoft.com/office/drawing/2014/main" id="{AFD62170-A20C-36DB-F15F-9113136111DB}"/>
               </a:ext>
             </a:extLst>
           </p:cNvPr>
@@ -2661,7 +2661,7 @@
           <a:bodyPr/>
           <a:lstStyle/>
           <a:p>
-            <a:fld id="{41F5F8B4-E5E9-46B2-B66F-98997EDA660E}" type="datetimeFigureOut">
+            <a:fld id="{D8027C2A-4C14-4EE2-82C0-66E7E05AC397}" type="datetimeFigureOut">
               <a:rPr lang="zh-CN" altLang="en-US" smtClean="0"/>
               <a:t>2024/3/10</a:t>
             </a:fld>
@@ -2674,7 +2674,7 @@
           <p:cNvPr id="6" name="页脚占位符 5">
             <a:extLst>
               <a:ext uri="{FF2B5EF4-FFF2-40B4-BE49-F238E27FC236}">
-                <a16:creationId xmlns:a16="http://schemas.microsoft.com/office/drawing/2014/main" id="{6E995B65-3234-F800-ECFD-37E5E44804AD}"/>
+                <a16:creationId xmlns:a16="http://schemas.microsoft.com/office/drawing/2014/main" id="{DB34CB54-03A9-7339-D207-FFEF67A7E425}"/>
               </a:ext>
             </a:extLst>
           </p:cNvPr>
@@ -2699,7 +2699,7 @@
           <p:cNvPr id="7" name="灯片编号占位符 6">
             <a:extLst>
               <a:ext uri="{FF2B5EF4-FFF2-40B4-BE49-F238E27FC236}">
-                <a16:creationId xmlns:a16="http://schemas.microsoft.com/office/drawing/2014/main" id="{2337C24A-D22F-1C39-3176-DC00329F590A}"/>
+                <a16:creationId xmlns:a16="http://schemas.microsoft.com/office/drawing/2014/main" id="{BF395277-E56D-D067-A7E8-2E4ED43573AE}"/>
               </a:ext>
             </a:extLst>
           </p:cNvPr>
@@ -2715,7 +2715,7 @@
           <a:bodyPr/>
           <a:lstStyle/>
           <a:p>
-            <a:fld id="{7A470A3F-A0C5-4F9F-8ABD-CA2DE1D95020}" type="slidenum">
+            <a:fld id="{F0E2309A-13B5-4B05-BEF8-63C7439C5466}" type="slidenum">
               <a:rPr lang="zh-CN" altLang="en-US" smtClean="0"/>
               <a:t>‹#›</a:t>
             </a:fld>
@@ -2726,7 +2726,7 @@
     </p:spTree>
     <p:extLst>
       <p:ext uri="{BB962C8B-B14F-4D97-AF65-F5344CB8AC3E}">
-        <p14:creationId xmlns:p14="http://schemas.microsoft.com/office/powerpoint/2010/main" val="1582708787"/>
+        <p14:creationId xmlns:p14="http://schemas.microsoft.com/office/powerpoint/2010/main" val="3385176460"/>
       </p:ext>
     </p:extLst>
   </p:cSld>
@@ -2763,7 +2763,7 @@
           <p:cNvPr id="2" name="标题占位符 1">
             <a:extLst>
               <a:ext uri="{FF2B5EF4-FFF2-40B4-BE49-F238E27FC236}">
-                <a16:creationId xmlns:a16="http://schemas.microsoft.com/office/drawing/2014/main" id="{5B2568A4-5C77-F9DA-A372-769DF1379DB8}"/>
+                <a16:creationId xmlns:a16="http://schemas.microsoft.com/office/drawing/2014/main" id="{0DCC4B5D-76EE-D07F-8B61-3F1AACCA837C}"/>
               </a:ext>
             </a:extLst>
           </p:cNvPr>
@@ -2801,7 +2801,7 @@
           <p:cNvPr id="3" name="文本占位符 2">
             <a:extLst>
               <a:ext uri="{FF2B5EF4-FFF2-40B4-BE49-F238E27FC236}">
-                <a16:creationId xmlns:a16="http://schemas.microsoft.com/office/drawing/2014/main" id="{FB9384D9-3C9F-885B-F9CE-E8FCA0ECE83F}"/>
+                <a16:creationId xmlns:a16="http://schemas.microsoft.com/office/drawing/2014/main" id="{399380E8-7729-2612-7EE0-FC238980AB45}"/>
               </a:ext>
             </a:extLst>
           </p:cNvPr>
@@ -2868,7 +2868,7 @@
           <p:cNvPr id="4" name="日期占位符 3">
             <a:extLst>
               <a:ext uri="{FF2B5EF4-FFF2-40B4-BE49-F238E27FC236}">
-                <a16:creationId xmlns:a16="http://schemas.microsoft.com/office/drawing/2014/main" id="{746544D9-FCF2-E98B-448C-861D97D1AD5B}"/>
+                <a16:creationId xmlns:a16="http://schemas.microsoft.com/office/drawing/2014/main" id="{427F9169-3B90-ED62-1647-A054C1F6103F}"/>
               </a:ext>
             </a:extLst>
           </p:cNvPr>
@@ -2902,7 +2902,7 @@
             </a:lvl1pPr>
           </a:lstStyle>
           <a:p>
-            <a:fld id="{41F5F8B4-E5E9-46B2-B66F-98997EDA660E}" type="datetimeFigureOut">
+            <a:fld id="{D8027C2A-4C14-4EE2-82C0-66E7E05AC397}" type="datetimeFigureOut">
               <a:rPr lang="zh-CN" altLang="en-US" smtClean="0"/>
               <a:t>2024/3/10</a:t>
             </a:fld>
@@ -2915,7 +2915,7 @@
           <p:cNvPr id="5" name="页脚占位符 4">
             <a:extLst>
               <a:ext uri="{FF2B5EF4-FFF2-40B4-BE49-F238E27FC236}">
-                <a16:creationId xmlns:a16="http://schemas.microsoft.com/office/drawing/2014/main" id="{878D4371-D2BA-D22F-46E1-6BB279A0EDDB}"/>
+                <a16:creationId xmlns:a16="http://schemas.microsoft.com/office/drawing/2014/main" id="{1ACD67A8-AF8A-1E45-4550-F1DC33BAE9BD}"/>
               </a:ext>
             </a:extLst>
           </p:cNvPr>
@@ -2958,7 +2958,7 @@
           <p:cNvPr id="6" name="灯片编号占位符 5">
             <a:extLst>
               <a:ext uri="{FF2B5EF4-FFF2-40B4-BE49-F238E27FC236}">
-                <a16:creationId xmlns:a16="http://schemas.microsoft.com/office/drawing/2014/main" id="{6775E3C2-DB23-0500-A195-7029B2B85F66}"/>
+                <a16:creationId xmlns:a16="http://schemas.microsoft.com/office/drawing/2014/main" id="{62D8B631-997A-AF07-57FD-A50B49359EF9}"/>
               </a:ext>
             </a:extLst>
           </p:cNvPr>
@@ -2992,7 +2992,7 @@
             </a:lvl1pPr>
           </a:lstStyle>
           <a:p>
-            <a:fld id="{7A470A3F-A0C5-4F9F-8ABD-CA2DE1D95020}" type="slidenum">
+            <a:fld id="{F0E2309A-13B5-4B05-BEF8-63C7439C5466}" type="slidenum">
               <a:rPr lang="zh-CN" altLang="en-US" smtClean="0"/>
               <a:t>‹#›</a:t>
             </a:fld>
@@ -3003,7 +3003,7 @@
     </p:spTree>
     <p:extLst>
       <p:ext uri="{BB962C8B-B14F-4D97-AF65-F5344CB8AC3E}">
-        <p14:creationId xmlns:p14="http://schemas.microsoft.com/office/powerpoint/2010/main" val="3748541675"/>
+        <p14:creationId xmlns:p14="http://schemas.microsoft.com/office/powerpoint/2010/main" val="3515989767"/>
       </p:ext>
     </p:extLst>
   </p:cSld>
@@ -3323,7 +3323,7 @@
       </p:grpSpPr>
       <p:pic>
         <p:nvPicPr>
-          <p:cNvPr id="992258" name="Picture 2" descr="968"/>
+          <p:cNvPr id="993282" name="Picture 2" descr="969"/>
           <p:cNvPicPr>
             <a:picLocks noChangeAspect="1" noChangeArrowheads="1"/>
           </p:cNvPicPr>
@@ -3344,8 +3344,8 @@
         </p:blipFill>
         <p:spPr bwMode="auto">
           <a:xfrm>
-            <a:off x="1524000" y="1"/>
-            <a:ext cx="9144000" cy="3895725"/>
+            <a:off x="1524000" y="0"/>
+            <a:ext cx="9144000" cy="6858000"/>
           </a:xfrm>
           <a:prstGeom prst="rect">
             <a:avLst/>
